--- a/PLANTA.pptx
+++ b/PLANTA.pptx
@@ -104,6 +104,11 @@
       </a:defRPr>
     </a:lvl9pPr>
   </p:defaultTextStyle>
+  <p:extLst>
+    <p:ext uri="{EFAFB233-063F-42B5-8137-9DF3F51BA10A}">
+      <p15:sldGuideLst xmlns:p15="http://schemas.microsoft.com/office/powerpoint/2012/main"/>
+    </p:ext>
+  </p:extLst>
 </p:presentation>
 </file>
 
@@ -254,7 +259,7 @@
           <a:p>
             <a:fld id="{1E256B1D-5718-4019-9464-C612B1898D8C}" type="datetimeFigureOut">
               <a:rPr lang="pt-PT" smtClean="0"/>
-              <a:t>25/01/2025</a:t>
+              <a:t>27/01/2025</a:t>
             </a:fld>
             <a:endParaRPr lang="pt-PT"/>
           </a:p>
@@ -452,7 +457,7 @@
           <a:p>
             <a:fld id="{1E256B1D-5718-4019-9464-C612B1898D8C}" type="datetimeFigureOut">
               <a:rPr lang="pt-PT" smtClean="0"/>
-              <a:t>25/01/2025</a:t>
+              <a:t>27/01/2025</a:t>
             </a:fld>
             <a:endParaRPr lang="pt-PT"/>
           </a:p>
@@ -660,7 +665,7 @@
           <a:p>
             <a:fld id="{1E256B1D-5718-4019-9464-C612B1898D8C}" type="datetimeFigureOut">
               <a:rPr lang="pt-PT" smtClean="0"/>
-              <a:t>25/01/2025</a:t>
+              <a:t>27/01/2025</a:t>
             </a:fld>
             <a:endParaRPr lang="pt-PT"/>
           </a:p>
@@ -858,7 +863,7 @@
           <a:p>
             <a:fld id="{1E256B1D-5718-4019-9464-C612B1898D8C}" type="datetimeFigureOut">
               <a:rPr lang="pt-PT" smtClean="0"/>
-              <a:t>25/01/2025</a:t>
+              <a:t>27/01/2025</a:t>
             </a:fld>
             <a:endParaRPr lang="pt-PT"/>
           </a:p>
@@ -1133,7 +1138,7 @@
           <a:p>
             <a:fld id="{1E256B1D-5718-4019-9464-C612B1898D8C}" type="datetimeFigureOut">
               <a:rPr lang="pt-PT" smtClean="0"/>
-              <a:t>25/01/2025</a:t>
+              <a:t>27/01/2025</a:t>
             </a:fld>
             <a:endParaRPr lang="pt-PT"/>
           </a:p>
@@ -1398,7 +1403,7 @@
           <a:p>
             <a:fld id="{1E256B1D-5718-4019-9464-C612B1898D8C}" type="datetimeFigureOut">
               <a:rPr lang="pt-PT" smtClean="0"/>
-              <a:t>25/01/2025</a:t>
+              <a:t>27/01/2025</a:t>
             </a:fld>
             <a:endParaRPr lang="pt-PT"/>
           </a:p>
@@ -1810,7 +1815,7 @@
           <a:p>
             <a:fld id="{1E256B1D-5718-4019-9464-C612B1898D8C}" type="datetimeFigureOut">
               <a:rPr lang="pt-PT" smtClean="0"/>
-              <a:t>25/01/2025</a:t>
+              <a:t>27/01/2025</a:t>
             </a:fld>
             <a:endParaRPr lang="pt-PT"/>
           </a:p>
@@ -1951,7 +1956,7 @@
           <a:p>
             <a:fld id="{1E256B1D-5718-4019-9464-C612B1898D8C}" type="datetimeFigureOut">
               <a:rPr lang="pt-PT" smtClean="0"/>
-              <a:t>25/01/2025</a:t>
+              <a:t>27/01/2025</a:t>
             </a:fld>
             <a:endParaRPr lang="pt-PT"/>
           </a:p>
@@ -2064,7 +2069,7 @@
           <a:p>
             <a:fld id="{1E256B1D-5718-4019-9464-C612B1898D8C}" type="datetimeFigureOut">
               <a:rPr lang="pt-PT" smtClean="0"/>
-              <a:t>25/01/2025</a:t>
+              <a:t>27/01/2025</a:t>
             </a:fld>
             <a:endParaRPr lang="pt-PT"/>
           </a:p>
@@ -2375,7 +2380,7 @@
           <a:p>
             <a:fld id="{1E256B1D-5718-4019-9464-C612B1898D8C}" type="datetimeFigureOut">
               <a:rPr lang="pt-PT" smtClean="0"/>
-              <a:t>25/01/2025</a:t>
+              <a:t>27/01/2025</a:t>
             </a:fld>
             <a:endParaRPr lang="pt-PT"/>
           </a:p>
@@ -2663,7 +2668,7 @@
           <a:p>
             <a:fld id="{1E256B1D-5718-4019-9464-C612B1898D8C}" type="datetimeFigureOut">
               <a:rPr lang="pt-PT" smtClean="0"/>
-              <a:t>25/01/2025</a:t>
+              <a:t>27/01/2025</a:t>
             </a:fld>
             <a:endParaRPr lang="pt-PT"/>
           </a:p>
@@ -2904,7 +2909,7 @@
           <a:p>
             <a:fld id="{1E256B1D-5718-4019-9464-C612B1898D8C}" type="datetimeFigureOut">
               <a:rPr lang="pt-PT" smtClean="0"/>
-              <a:t>25/01/2025</a:t>
+              <a:t>27/01/2025</a:t>
             </a:fld>
             <a:endParaRPr lang="pt-PT"/>
           </a:p>
@@ -5960,6 +5965,163 @@
               <a:rPr lang="pt-PT" dirty="0"/>
               <a:t>Bastidor</a:t>
             </a:r>
+          </a:p>
+        </p:txBody>
+      </p:sp>
+      <p:sp>
+        <p:nvSpPr>
+          <p:cNvPr id="2" name="Oval 1">
+            <a:extLst>
+              <a:ext uri="{FF2B5EF4-FFF2-40B4-BE49-F238E27FC236}">
+                <a16:creationId xmlns:a16="http://schemas.microsoft.com/office/drawing/2014/main" id="{B296E706-7F47-2EE0-B554-6DF8575ADD44}"/>
+              </a:ext>
+            </a:extLst>
+          </p:cNvPr>
+          <p:cNvSpPr/>
+          <p:nvPr/>
+        </p:nvSpPr>
+        <p:spPr>
+          <a:xfrm>
+            <a:off x="896222" y="2179747"/>
+            <a:ext cx="5109583" cy="4821342"/>
+          </a:xfrm>
+          <a:prstGeom prst="ellipse">
+            <a:avLst/>
+          </a:prstGeom>
+          <a:solidFill>
+            <a:schemeClr val="accent1">
+              <a:alpha val="50000"/>
+            </a:schemeClr>
+          </a:solidFill>
+        </p:spPr>
+        <p:style>
+          <a:lnRef idx="2">
+            <a:schemeClr val="accent1">
+              <a:shade val="15000"/>
+            </a:schemeClr>
+          </a:lnRef>
+          <a:fillRef idx="1">
+            <a:schemeClr val="accent1"/>
+          </a:fillRef>
+          <a:effectRef idx="0">
+            <a:schemeClr val="accent1"/>
+          </a:effectRef>
+          <a:fontRef idx="minor">
+            <a:schemeClr val="lt1"/>
+          </a:fontRef>
+        </p:style>
+        <p:txBody>
+          <a:bodyPr rtlCol="0" anchor="ctr"/>
+          <a:lstStyle/>
+          <a:p>
+            <a:pPr algn="ctr"/>
+            <a:endParaRPr lang="pt-PT"/>
+          </a:p>
+        </p:txBody>
+      </p:sp>
+      <p:sp>
+        <p:nvSpPr>
+          <p:cNvPr id="4" name="Oval 3">
+            <a:extLst>
+              <a:ext uri="{FF2B5EF4-FFF2-40B4-BE49-F238E27FC236}">
+                <a16:creationId xmlns:a16="http://schemas.microsoft.com/office/drawing/2014/main" id="{8F6A2D8D-D22D-D249-4DE6-E9ED22046A53}"/>
+              </a:ext>
+            </a:extLst>
+          </p:cNvPr>
+          <p:cNvSpPr/>
+          <p:nvPr/>
+        </p:nvSpPr>
+        <p:spPr>
+          <a:xfrm>
+            <a:off x="-858606" y="-230924"/>
+            <a:ext cx="5109583" cy="4821342"/>
+          </a:xfrm>
+          <a:prstGeom prst="ellipse">
+            <a:avLst/>
+          </a:prstGeom>
+          <a:solidFill>
+            <a:schemeClr val="accent3">
+              <a:lumMod val="40000"/>
+              <a:lumOff val="60000"/>
+              <a:alpha val="50000"/>
+            </a:schemeClr>
+          </a:solidFill>
+        </p:spPr>
+        <p:style>
+          <a:lnRef idx="2">
+            <a:schemeClr val="accent1">
+              <a:shade val="15000"/>
+            </a:schemeClr>
+          </a:lnRef>
+          <a:fillRef idx="1">
+            <a:schemeClr val="accent1"/>
+          </a:fillRef>
+          <a:effectRef idx="0">
+            <a:schemeClr val="accent1"/>
+          </a:effectRef>
+          <a:fontRef idx="minor">
+            <a:schemeClr val="lt1"/>
+          </a:fontRef>
+        </p:style>
+        <p:txBody>
+          <a:bodyPr rtlCol="0" anchor="ctr"/>
+          <a:lstStyle/>
+          <a:p>
+            <a:pPr algn="ctr"/>
+            <a:endParaRPr lang="pt-PT"/>
+          </a:p>
+        </p:txBody>
+      </p:sp>
+      <p:sp>
+        <p:nvSpPr>
+          <p:cNvPr id="6" name="Oval 5">
+            <a:extLst>
+              <a:ext uri="{FF2B5EF4-FFF2-40B4-BE49-F238E27FC236}">
+                <a16:creationId xmlns:a16="http://schemas.microsoft.com/office/drawing/2014/main" id="{56C6B9B6-2CEF-7DC6-CCD5-D0BDDA618F64}"/>
+              </a:ext>
+            </a:extLst>
+          </p:cNvPr>
+          <p:cNvSpPr/>
+          <p:nvPr/>
+        </p:nvSpPr>
+        <p:spPr>
+          <a:xfrm>
+            <a:off x="2926919" y="-159372"/>
+            <a:ext cx="5109583" cy="4821342"/>
+          </a:xfrm>
+          <a:prstGeom prst="ellipse">
+            <a:avLst/>
+          </a:prstGeom>
+          <a:solidFill>
+            <a:schemeClr val="accent2">
+              <a:lumMod val="40000"/>
+              <a:lumOff val="60000"/>
+              <a:alpha val="50000"/>
+            </a:schemeClr>
+          </a:solidFill>
+        </p:spPr>
+        <p:style>
+          <a:lnRef idx="2">
+            <a:schemeClr val="accent1">
+              <a:shade val="15000"/>
+            </a:schemeClr>
+          </a:lnRef>
+          <a:fillRef idx="1">
+            <a:schemeClr val="accent1"/>
+          </a:fillRef>
+          <a:effectRef idx="0">
+            <a:schemeClr val="accent1"/>
+          </a:effectRef>
+          <a:fontRef idx="minor">
+            <a:schemeClr val="lt1"/>
+          </a:fontRef>
+        </p:style>
+        <p:txBody>
+          <a:bodyPr rtlCol="0" anchor="ctr"/>
+          <a:lstStyle/>
+          <a:p>
+            <a:pPr algn="ctr"/>
+            <a:endParaRPr lang="pt-PT"/>
           </a:p>
         </p:txBody>
       </p:sp>
